--- a/Figures/otherfigs.pptx
+++ b/Figures/otherfigs.pptx
@@ -9,6 +9,14 @@
     <p:sldId id="258" r:id="rId3"/>
     <p:sldId id="259" r:id="rId4"/>
     <p:sldId id="260" r:id="rId5"/>
+    <p:sldId id="261" r:id="rId6"/>
+    <p:sldId id="262" r:id="rId7"/>
+    <p:sldId id="263" r:id="rId8"/>
+    <p:sldId id="266" r:id="rId9"/>
+    <p:sldId id="264" r:id="rId10"/>
+    <p:sldId id="265" r:id="rId11"/>
+    <p:sldId id="267" r:id="rId12"/>
+    <p:sldId id="268" r:id="rId13"/>
   </p:sldIdLst>
   <p:sldSz cx="12192000" cy="6858000"/>
   <p:notesSz cx="6858000" cy="9144000"/>
@@ -5570,7 +5578,7 @@
           <a:p>
             <a:fld id="{6A5C3B43-3A63-CA4E-9C00-1AA686BB8827}" type="datetimeFigureOut">
               <a:rPr lang="en-US" smtClean="0"/>
-              <a:t>3/11/24</a:t>
+              <a:t>3/22/24</a:t>
             </a:fld>
             <a:endParaRPr lang="en-US"/>
           </a:p>
@@ -5768,7 +5776,7 @@
           <a:p>
             <a:fld id="{6A5C3B43-3A63-CA4E-9C00-1AA686BB8827}" type="datetimeFigureOut">
               <a:rPr lang="en-US" smtClean="0"/>
-              <a:t>3/11/24</a:t>
+              <a:t>3/22/24</a:t>
             </a:fld>
             <a:endParaRPr lang="en-US"/>
           </a:p>
@@ -5976,7 +5984,7 @@
           <a:p>
             <a:fld id="{6A5C3B43-3A63-CA4E-9C00-1AA686BB8827}" type="datetimeFigureOut">
               <a:rPr lang="en-US" smtClean="0"/>
-              <a:t>3/11/24</a:t>
+              <a:t>3/22/24</a:t>
             </a:fld>
             <a:endParaRPr lang="en-US"/>
           </a:p>
@@ -6174,7 +6182,7 @@
           <a:p>
             <a:fld id="{6A5C3B43-3A63-CA4E-9C00-1AA686BB8827}" type="datetimeFigureOut">
               <a:rPr lang="en-US" smtClean="0"/>
-              <a:t>3/11/24</a:t>
+              <a:t>3/22/24</a:t>
             </a:fld>
             <a:endParaRPr lang="en-US"/>
           </a:p>
@@ -6449,7 +6457,7 @@
           <a:p>
             <a:fld id="{6A5C3B43-3A63-CA4E-9C00-1AA686BB8827}" type="datetimeFigureOut">
               <a:rPr lang="en-US" smtClean="0"/>
-              <a:t>3/11/24</a:t>
+              <a:t>3/22/24</a:t>
             </a:fld>
             <a:endParaRPr lang="en-US"/>
           </a:p>
@@ -6714,7 +6722,7 @@
           <a:p>
             <a:fld id="{6A5C3B43-3A63-CA4E-9C00-1AA686BB8827}" type="datetimeFigureOut">
               <a:rPr lang="en-US" smtClean="0"/>
-              <a:t>3/11/24</a:t>
+              <a:t>3/22/24</a:t>
             </a:fld>
             <a:endParaRPr lang="en-US"/>
           </a:p>
@@ -7126,7 +7134,7 @@
           <a:p>
             <a:fld id="{6A5C3B43-3A63-CA4E-9C00-1AA686BB8827}" type="datetimeFigureOut">
               <a:rPr lang="en-US" smtClean="0"/>
-              <a:t>3/11/24</a:t>
+              <a:t>3/22/24</a:t>
             </a:fld>
             <a:endParaRPr lang="en-US"/>
           </a:p>
@@ -7267,7 +7275,7 @@
           <a:p>
             <a:fld id="{6A5C3B43-3A63-CA4E-9C00-1AA686BB8827}" type="datetimeFigureOut">
               <a:rPr lang="en-US" smtClean="0"/>
-              <a:t>3/11/24</a:t>
+              <a:t>3/22/24</a:t>
             </a:fld>
             <a:endParaRPr lang="en-US"/>
           </a:p>
@@ -7380,7 +7388,7 @@
           <a:p>
             <a:fld id="{6A5C3B43-3A63-CA4E-9C00-1AA686BB8827}" type="datetimeFigureOut">
               <a:rPr lang="en-US" smtClean="0"/>
-              <a:t>3/11/24</a:t>
+              <a:t>3/22/24</a:t>
             </a:fld>
             <a:endParaRPr lang="en-US"/>
           </a:p>
@@ -7691,7 +7699,7 @@
           <a:p>
             <a:fld id="{6A5C3B43-3A63-CA4E-9C00-1AA686BB8827}" type="datetimeFigureOut">
               <a:rPr lang="en-US" smtClean="0"/>
-              <a:t>3/11/24</a:t>
+              <a:t>3/22/24</a:t>
             </a:fld>
             <a:endParaRPr lang="en-US"/>
           </a:p>
@@ -7979,7 +7987,7 @@
           <a:p>
             <a:fld id="{6A5C3B43-3A63-CA4E-9C00-1AA686BB8827}" type="datetimeFigureOut">
               <a:rPr lang="en-US" smtClean="0"/>
-              <a:t>3/11/24</a:t>
+              <a:t>3/22/24</a:t>
             </a:fld>
             <a:endParaRPr lang="en-US"/>
           </a:p>
@@ -8223,7 +8231,7 @@
           <a:p>
             <a:fld id="{6A5C3B43-3A63-CA4E-9C00-1AA686BB8827}" type="datetimeFigureOut">
               <a:rPr lang="en-US" smtClean="0"/>
-              <a:t>3/11/24</a:t>
+              <a:t>3/22/24</a:t>
             </a:fld>
             <a:endParaRPr lang="en-US"/>
           </a:p>
@@ -9843,6 +9851,125 @@
 </p:sld>
 </file>
 
+<file path=ppt/slides/slide10.xml><?xml version="1.0" encoding="utf-8"?>
+<p:sld xmlns:a="http://schemas.openxmlformats.org/drawingml/2006/main" xmlns:r="http://schemas.openxmlformats.org/officeDocument/2006/relationships" xmlns:p="http://schemas.openxmlformats.org/presentationml/2006/main">
+  <p:cSld>
+    <p:spTree>
+      <p:nvGrpSpPr>
+        <p:cNvPr id="1" name=""/>
+        <p:cNvGrpSpPr/>
+        <p:nvPr/>
+      </p:nvGrpSpPr>
+      <p:grpSpPr>
+        <a:xfrm>
+          <a:off x="0" y="0"/>
+          <a:ext cx="0" cy="0"/>
+          <a:chOff x="0" y="0"/>
+          <a:chExt cx="0" cy="0"/>
+        </a:xfrm>
+      </p:grpSpPr>
+      <p:pic>
+        <p:nvPicPr>
+          <p:cNvPr id="3" name="Picture 2" descr="A graph of progress on a graph&#10;&#10;Description automatically generated with medium confidence">
+            <a:extLst>
+              <a:ext uri="{FF2B5EF4-FFF2-40B4-BE49-F238E27FC236}">
+                <a16:creationId xmlns:a16="http://schemas.microsoft.com/office/drawing/2014/main" id="{34598794-0270-5AC8-75EB-983F43CC834E}"/>
+              </a:ext>
+            </a:extLst>
+          </p:cNvPr>
+          <p:cNvPicPr>
+            <a:picLocks noChangeAspect="1"/>
+          </p:cNvPicPr>
+          <p:nvPr/>
+        </p:nvPicPr>
+        <p:blipFill rotWithShape="1">
+          <a:blip r:embed="rId2"/>
+          <a:srcRect t="2678"/>
+          <a:stretch/>
+        </p:blipFill>
+        <p:spPr>
+          <a:xfrm>
+            <a:off x="1895860" y="210590"/>
+            <a:ext cx="7772400" cy="6647410"/>
+          </a:xfrm>
+          <a:prstGeom prst="rect">
+            <a:avLst/>
+          </a:prstGeom>
+        </p:spPr>
+      </p:pic>
+    </p:spTree>
+    <p:extLst>
+      <p:ext uri="{BB962C8B-B14F-4D97-AF65-F5344CB8AC3E}">
+        <p14:creationId xmlns:p14="http://schemas.microsoft.com/office/powerpoint/2010/main" val="3097564363"/>
+      </p:ext>
+    </p:extLst>
+  </p:cSld>
+  <p:clrMapOvr>
+    <a:masterClrMapping/>
+  </p:clrMapOvr>
+</p:sld>
+</file>
+
+<file path=ppt/slides/slide11.xml><?xml version="1.0" encoding="utf-8"?>
+<p:sld xmlns:a="http://schemas.openxmlformats.org/drawingml/2006/main" xmlns:r="http://schemas.openxmlformats.org/officeDocument/2006/relationships" xmlns:p="http://schemas.openxmlformats.org/presentationml/2006/main">
+  <p:cSld>
+    <p:spTree>
+      <p:nvGrpSpPr>
+        <p:cNvPr id="1" name=""/>
+        <p:cNvGrpSpPr/>
+        <p:nvPr/>
+      </p:nvGrpSpPr>
+      <p:grpSpPr>
+        <a:xfrm>
+          <a:off x="0" y="0"/>
+          <a:ext cx="0" cy="0"/>
+          <a:chOff x="0" y="0"/>
+          <a:chExt cx="0" cy="0"/>
+        </a:xfrm>
+      </p:grpSpPr>
+    </p:spTree>
+    <p:extLst>
+      <p:ext uri="{BB962C8B-B14F-4D97-AF65-F5344CB8AC3E}">
+        <p14:creationId xmlns:p14="http://schemas.microsoft.com/office/powerpoint/2010/main" val="4262207258"/>
+      </p:ext>
+    </p:extLst>
+  </p:cSld>
+  <p:clrMapOvr>
+    <a:masterClrMapping/>
+  </p:clrMapOvr>
+</p:sld>
+</file>
+
+<file path=ppt/slides/slide12.xml><?xml version="1.0" encoding="utf-8"?>
+<p:sld xmlns:a="http://schemas.openxmlformats.org/drawingml/2006/main" xmlns:r="http://schemas.openxmlformats.org/officeDocument/2006/relationships" xmlns:p="http://schemas.openxmlformats.org/presentationml/2006/main">
+  <p:cSld>
+    <p:spTree>
+      <p:nvGrpSpPr>
+        <p:cNvPr id="1" name=""/>
+        <p:cNvGrpSpPr/>
+        <p:nvPr/>
+      </p:nvGrpSpPr>
+      <p:grpSpPr>
+        <a:xfrm>
+          <a:off x="0" y="0"/>
+          <a:ext cx="0" cy="0"/>
+          <a:chOff x="0" y="0"/>
+          <a:chExt cx="0" cy="0"/>
+        </a:xfrm>
+      </p:grpSpPr>
+    </p:spTree>
+    <p:extLst>
+      <p:ext uri="{BB962C8B-B14F-4D97-AF65-F5344CB8AC3E}">
+        <p14:creationId xmlns:p14="http://schemas.microsoft.com/office/powerpoint/2010/main" val="2752003448"/>
+      </p:ext>
+    </p:extLst>
+  </p:cSld>
+  <p:clrMapOvr>
+    <a:masterClrMapping/>
+  </p:clrMapOvr>
+</p:sld>
+</file>
+
 <file path=ppt/slides/slide2.xml><?xml version="1.0" encoding="utf-8"?>
 <p:sld xmlns:a="http://schemas.openxmlformats.org/drawingml/2006/main" xmlns:r="http://schemas.openxmlformats.org/officeDocument/2006/relationships" xmlns:p="http://schemas.openxmlformats.org/presentationml/2006/main">
   <p:cSld>
@@ -10969,6 +11096,303 @@
 </p:sld>
 </file>
 
+<file path=ppt/slides/slide5.xml><?xml version="1.0" encoding="utf-8"?>
+<p:sld xmlns:a="http://schemas.openxmlformats.org/drawingml/2006/main" xmlns:r="http://schemas.openxmlformats.org/officeDocument/2006/relationships" xmlns:p="http://schemas.openxmlformats.org/presentationml/2006/main">
+  <p:cSld>
+    <p:spTree>
+      <p:nvGrpSpPr>
+        <p:cNvPr id="1" name=""/>
+        <p:cNvGrpSpPr/>
+        <p:nvPr/>
+      </p:nvGrpSpPr>
+      <p:grpSpPr>
+        <a:xfrm>
+          <a:off x="0" y="0"/>
+          <a:ext cx="0" cy="0"/>
+          <a:chOff x="0" y="0"/>
+          <a:chExt cx="0" cy="0"/>
+        </a:xfrm>
+      </p:grpSpPr>
+      <p:pic>
+        <p:nvPicPr>
+          <p:cNvPr id="3" name="Picture 2" descr="A map of the state of massachusetts&#10;&#10;Description automatically generated">
+            <a:extLst>
+              <a:ext uri="{FF2B5EF4-FFF2-40B4-BE49-F238E27FC236}">
+                <a16:creationId xmlns:a16="http://schemas.microsoft.com/office/drawing/2014/main" id="{E32ECB13-18DD-804B-92A9-A921D3A8735F}"/>
+              </a:ext>
+            </a:extLst>
+          </p:cNvPr>
+          <p:cNvPicPr>
+            <a:picLocks noChangeAspect="1"/>
+          </p:cNvPicPr>
+          <p:nvPr/>
+        </p:nvPicPr>
+        <p:blipFill rotWithShape="1">
+          <a:blip r:embed="rId2"/>
+          <a:srcRect t="16470" b="16392"/>
+          <a:stretch/>
+        </p:blipFill>
+        <p:spPr>
+          <a:xfrm>
+            <a:off x="913589" y="464763"/>
+            <a:ext cx="9564359" cy="5971762"/>
+          </a:xfrm>
+          <a:prstGeom prst="rect">
+            <a:avLst/>
+          </a:prstGeom>
+        </p:spPr>
+      </p:pic>
+    </p:spTree>
+    <p:extLst>
+      <p:ext uri="{BB962C8B-B14F-4D97-AF65-F5344CB8AC3E}">
+        <p14:creationId xmlns:p14="http://schemas.microsoft.com/office/powerpoint/2010/main" val="2973480249"/>
+      </p:ext>
+    </p:extLst>
+  </p:cSld>
+  <p:clrMapOvr>
+    <a:masterClrMapping/>
+  </p:clrMapOvr>
+</p:sld>
+</file>
+
+<file path=ppt/slides/slide6.xml><?xml version="1.0" encoding="utf-8"?>
+<p:sld xmlns:a="http://schemas.openxmlformats.org/drawingml/2006/main" xmlns:r="http://schemas.openxmlformats.org/officeDocument/2006/relationships" xmlns:p="http://schemas.openxmlformats.org/presentationml/2006/main">
+  <p:cSld>
+    <p:spTree>
+      <p:nvGrpSpPr>
+        <p:cNvPr id="1" name=""/>
+        <p:cNvGrpSpPr/>
+        <p:nvPr/>
+      </p:nvGrpSpPr>
+      <p:grpSpPr>
+        <a:xfrm>
+          <a:off x="0" y="0"/>
+          <a:ext cx="0" cy="0"/>
+          <a:chOff x="0" y="0"/>
+          <a:chExt cx="0" cy="0"/>
+        </a:xfrm>
+      </p:grpSpPr>
+      <p:pic>
+        <p:nvPicPr>
+          <p:cNvPr id="3" name="Picture 2" descr="A map of the state of massachusetts&#10;&#10;Description automatically generated">
+            <a:extLst>
+              <a:ext uri="{FF2B5EF4-FFF2-40B4-BE49-F238E27FC236}">
+                <a16:creationId xmlns:a16="http://schemas.microsoft.com/office/drawing/2014/main" id="{95E80B76-8952-7834-95F1-7AE93339493E}"/>
+              </a:ext>
+            </a:extLst>
+          </p:cNvPr>
+          <p:cNvPicPr>
+            <a:picLocks noChangeAspect="1"/>
+          </p:cNvPicPr>
+          <p:nvPr/>
+        </p:nvPicPr>
+        <p:blipFill rotWithShape="1">
+          <a:blip r:embed="rId2"/>
+          <a:srcRect t="16628" b="16549"/>
+          <a:stretch/>
+        </p:blipFill>
+        <p:spPr>
+          <a:xfrm>
+            <a:off x="1559047" y="464655"/>
+            <a:ext cx="9736482" cy="6050822"/>
+          </a:xfrm>
+          <a:prstGeom prst="rect">
+            <a:avLst/>
+          </a:prstGeom>
+        </p:spPr>
+      </p:pic>
+    </p:spTree>
+    <p:extLst>
+      <p:ext uri="{BB962C8B-B14F-4D97-AF65-F5344CB8AC3E}">
+        <p14:creationId xmlns:p14="http://schemas.microsoft.com/office/powerpoint/2010/main" val="817236913"/>
+      </p:ext>
+    </p:extLst>
+  </p:cSld>
+  <p:clrMapOvr>
+    <a:masterClrMapping/>
+  </p:clrMapOvr>
+</p:sld>
+</file>
+
+<file path=ppt/slides/slide7.xml><?xml version="1.0" encoding="utf-8"?>
+<p:sld xmlns:a="http://schemas.openxmlformats.org/drawingml/2006/main" xmlns:r="http://schemas.openxmlformats.org/officeDocument/2006/relationships" xmlns:p="http://schemas.openxmlformats.org/presentationml/2006/main">
+  <p:cSld>
+    <p:spTree>
+      <p:nvGrpSpPr>
+        <p:cNvPr id="1" name=""/>
+        <p:cNvGrpSpPr/>
+        <p:nvPr/>
+      </p:nvGrpSpPr>
+      <p:grpSpPr>
+        <a:xfrm>
+          <a:off x="0" y="0"/>
+          <a:ext cx="0" cy="0"/>
+          <a:chOff x="0" y="0"/>
+          <a:chExt cx="0" cy="0"/>
+        </a:xfrm>
+      </p:grpSpPr>
+      <p:pic>
+        <p:nvPicPr>
+          <p:cNvPr id="3" name="Picture 2" descr="A map of the state of massachusetts&#10;&#10;Description automatically generated">
+            <a:extLst>
+              <a:ext uri="{FF2B5EF4-FFF2-40B4-BE49-F238E27FC236}">
+                <a16:creationId xmlns:a16="http://schemas.microsoft.com/office/drawing/2014/main" id="{73495030-F05B-613A-BABB-0B36F28897E6}"/>
+              </a:ext>
+            </a:extLst>
+          </p:cNvPr>
+          <p:cNvPicPr>
+            <a:picLocks noChangeAspect="1"/>
+          </p:cNvPicPr>
+          <p:nvPr/>
+        </p:nvPicPr>
+        <p:blipFill rotWithShape="1">
+          <a:blip r:embed="rId2"/>
+          <a:srcRect t="16470" b="16235"/>
+          <a:stretch/>
+        </p:blipFill>
+        <p:spPr>
+          <a:xfrm>
+            <a:off x="1140310" y="401459"/>
+            <a:ext cx="9864763" cy="6173718"/>
+          </a:xfrm>
+          <a:prstGeom prst="rect">
+            <a:avLst/>
+          </a:prstGeom>
+        </p:spPr>
+      </p:pic>
+    </p:spTree>
+    <p:extLst>
+      <p:ext uri="{BB962C8B-B14F-4D97-AF65-F5344CB8AC3E}">
+        <p14:creationId xmlns:p14="http://schemas.microsoft.com/office/powerpoint/2010/main" val="4132197112"/>
+      </p:ext>
+    </p:extLst>
+  </p:cSld>
+  <p:clrMapOvr>
+    <a:masterClrMapping/>
+  </p:clrMapOvr>
+</p:sld>
+</file>
+
+<file path=ppt/slides/slide8.xml><?xml version="1.0" encoding="utf-8"?>
+<p:sld xmlns:a="http://schemas.openxmlformats.org/drawingml/2006/main" xmlns:r="http://schemas.openxmlformats.org/officeDocument/2006/relationships" xmlns:p="http://schemas.openxmlformats.org/presentationml/2006/main">
+  <p:cSld>
+    <p:spTree>
+      <p:nvGrpSpPr>
+        <p:cNvPr id="1" name=""/>
+        <p:cNvGrpSpPr/>
+        <p:nvPr/>
+      </p:nvGrpSpPr>
+      <p:grpSpPr>
+        <a:xfrm>
+          <a:off x="0" y="0"/>
+          <a:ext cx="0" cy="0"/>
+          <a:chOff x="0" y="0"/>
+          <a:chExt cx="0" cy="0"/>
+        </a:xfrm>
+      </p:grpSpPr>
+      <p:pic>
+        <p:nvPicPr>
+          <p:cNvPr id="3" name="Picture 2" descr="A graph of a number of people&#10;&#10;Description automatically generated with medium confidence">
+            <a:extLst>
+              <a:ext uri="{FF2B5EF4-FFF2-40B4-BE49-F238E27FC236}">
+                <a16:creationId xmlns:a16="http://schemas.microsoft.com/office/drawing/2014/main" id="{6B1593EC-2226-2DDF-AE32-890A8A0F9C92}"/>
+              </a:ext>
+            </a:extLst>
+          </p:cNvPr>
+          <p:cNvPicPr>
+            <a:picLocks noChangeAspect="1"/>
+          </p:cNvPicPr>
+          <p:nvPr/>
+        </p:nvPicPr>
+        <p:blipFill>
+          <a:blip r:embed="rId2"/>
+          <a:stretch>
+            <a:fillRect/>
+          </a:stretch>
+        </p:blipFill>
+        <p:spPr>
+          <a:xfrm>
+            <a:off x="2534407" y="0"/>
+            <a:ext cx="7123186" cy="6858000"/>
+          </a:xfrm>
+          <a:prstGeom prst="rect">
+            <a:avLst/>
+          </a:prstGeom>
+        </p:spPr>
+      </p:pic>
+    </p:spTree>
+    <p:extLst>
+      <p:ext uri="{BB962C8B-B14F-4D97-AF65-F5344CB8AC3E}">
+        <p14:creationId xmlns:p14="http://schemas.microsoft.com/office/powerpoint/2010/main" val="1578354587"/>
+      </p:ext>
+    </p:extLst>
+  </p:cSld>
+  <p:clrMapOvr>
+    <a:masterClrMapping/>
+  </p:clrMapOvr>
+</p:sld>
+</file>
+
+<file path=ppt/slides/slide9.xml><?xml version="1.0" encoding="utf-8"?>
+<p:sld xmlns:a="http://schemas.openxmlformats.org/drawingml/2006/main" xmlns:r="http://schemas.openxmlformats.org/officeDocument/2006/relationships" xmlns:p="http://schemas.openxmlformats.org/presentationml/2006/main">
+  <p:cSld>
+    <p:spTree>
+      <p:nvGrpSpPr>
+        <p:cNvPr id="1" name=""/>
+        <p:cNvGrpSpPr/>
+        <p:nvPr/>
+      </p:nvGrpSpPr>
+      <p:grpSpPr>
+        <a:xfrm>
+          <a:off x="0" y="0"/>
+          <a:ext cx="0" cy="0"/>
+          <a:chOff x="0" y="0"/>
+          <a:chExt cx="0" cy="0"/>
+        </a:xfrm>
+      </p:grpSpPr>
+      <p:pic>
+        <p:nvPicPr>
+          <p:cNvPr id="3" name="Picture 2" descr="A chart with different colored squares&#10;&#10;Description automatically generated">
+            <a:extLst>
+              <a:ext uri="{FF2B5EF4-FFF2-40B4-BE49-F238E27FC236}">
+                <a16:creationId xmlns:a16="http://schemas.microsoft.com/office/drawing/2014/main" id="{C6876F58-C10A-86ED-1B9D-82A9C192CBA5}"/>
+              </a:ext>
+            </a:extLst>
+          </p:cNvPr>
+          <p:cNvPicPr>
+            <a:picLocks noChangeAspect="1"/>
+          </p:cNvPicPr>
+          <p:nvPr/>
+        </p:nvPicPr>
+        <p:blipFill>
+          <a:blip r:embed="rId2"/>
+          <a:stretch>
+            <a:fillRect/>
+          </a:stretch>
+        </p:blipFill>
+        <p:spPr>
+          <a:xfrm>
+            <a:off x="2534407" y="0"/>
+            <a:ext cx="7123186" cy="6858000"/>
+          </a:xfrm>
+          <a:prstGeom prst="rect">
+            <a:avLst/>
+          </a:prstGeom>
+        </p:spPr>
+      </p:pic>
+    </p:spTree>
+    <p:extLst>
+      <p:ext uri="{BB962C8B-B14F-4D97-AF65-F5344CB8AC3E}">
+        <p14:creationId xmlns:p14="http://schemas.microsoft.com/office/powerpoint/2010/main" val="2510894027"/>
+      </p:ext>
+    </p:extLst>
+  </p:cSld>
+  <p:clrMapOvr>
+    <a:masterClrMapping/>
+  </p:clrMapOvr>
+</p:sld>
+</file>
+
 <file path=ppt/theme/theme1.xml><?xml version="1.0" encoding="utf-8"?>
 <a:theme xmlns:a="http://schemas.openxmlformats.org/drawingml/2006/main" name="Office Theme">
   <a:themeElements>

--- a/Figures/otherfigs.pptx
+++ b/Figures/otherfigs.pptx
@@ -9,8 +9,8 @@
     <p:sldId id="258" r:id="rId3"/>
     <p:sldId id="259" r:id="rId4"/>
     <p:sldId id="260" r:id="rId5"/>
-    <p:sldId id="261" r:id="rId6"/>
-    <p:sldId id="262" r:id="rId7"/>
+    <p:sldId id="262" r:id="rId6"/>
+    <p:sldId id="261" r:id="rId7"/>
     <p:sldId id="263" r:id="rId8"/>
     <p:sldId id="266" r:id="rId9"/>
     <p:sldId id="264" r:id="rId10"/>
@@ -5578,7 +5578,7 @@
           <a:p>
             <a:fld id="{6A5C3B43-3A63-CA4E-9C00-1AA686BB8827}" type="datetimeFigureOut">
               <a:rPr lang="en-US" smtClean="0"/>
-              <a:t>3/22/24</a:t>
+              <a:t>3/27/24</a:t>
             </a:fld>
             <a:endParaRPr lang="en-US"/>
           </a:p>
@@ -5776,7 +5776,7 @@
           <a:p>
             <a:fld id="{6A5C3B43-3A63-CA4E-9C00-1AA686BB8827}" type="datetimeFigureOut">
               <a:rPr lang="en-US" smtClean="0"/>
-              <a:t>3/22/24</a:t>
+              <a:t>3/27/24</a:t>
             </a:fld>
             <a:endParaRPr lang="en-US"/>
           </a:p>
@@ -5984,7 +5984,7 @@
           <a:p>
             <a:fld id="{6A5C3B43-3A63-CA4E-9C00-1AA686BB8827}" type="datetimeFigureOut">
               <a:rPr lang="en-US" smtClean="0"/>
-              <a:t>3/22/24</a:t>
+              <a:t>3/27/24</a:t>
             </a:fld>
             <a:endParaRPr lang="en-US"/>
           </a:p>
@@ -6182,7 +6182,7 @@
           <a:p>
             <a:fld id="{6A5C3B43-3A63-CA4E-9C00-1AA686BB8827}" type="datetimeFigureOut">
               <a:rPr lang="en-US" smtClean="0"/>
-              <a:t>3/22/24</a:t>
+              <a:t>3/27/24</a:t>
             </a:fld>
             <a:endParaRPr lang="en-US"/>
           </a:p>
@@ -6457,7 +6457,7 @@
           <a:p>
             <a:fld id="{6A5C3B43-3A63-CA4E-9C00-1AA686BB8827}" type="datetimeFigureOut">
               <a:rPr lang="en-US" smtClean="0"/>
-              <a:t>3/22/24</a:t>
+              <a:t>3/27/24</a:t>
             </a:fld>
             <a:endParaRPr lang="en-US"/>
           </a:p>
@@ -6722,7 +6722,7 @@
           <a:p>
             <a:fld id="{6A5C3B43-3A63-CA4E-9C00-1AA686BB8827}" type="datetimeFigureOut">
               <a:rPr lang="en-US" smtClean="0"/>
-              <a:t>3/22/24</a:t>
+              <a:t>3/27/24</a:t>
             </a:fld>
             <a:endParaRPr lang="en-US"/>
           </a:p>
@@ -7134,7 +7134,7 @@
           <a:p>
             <a:fld id="{6A5C3B43-3A63-CA4E-9C00-1AA686BB8827}" type="datetimeFigureOut">
               <a:rPr lang="en-US" smtClean="0"/>
-              <a:t>3/22/24</a:t>
+              <a:t>3/27/24</a:t>
             </a:fld>
             <a:endParaRPr lang="en-US"/>
           </a:p>
@@ -7275,7 +7275,7 @@
           <a:p>
             <a:fld id="{6A5C3B43-3A63-CA4E-9C00-1AA686BB8827}" type="datetimeFigureOut">
               <a:rPr lang="en-US" smtClean="0"/>
-              <a:t>3/22/24</a:t>
+              <a:t>3/27/24</a:t>
             </a:fld>
             <a:endParaRPr lang="en-US"/>
           </a:p>
@@ -7388,7 +7388,7 @@
           <a:p>
             <a:fld id="{6A5C3B43-3A63-CA4E-9C00-1AA686BB8827}" type="datetimeFigureOut">
               <a:rPr lang="en-US" smtClean="0"/>
-              <a:t>3/22/24</a:t>
+              <a:t>3/27/24</a:t>
             </a:fld>
             <a:endParaRPr lang="en-US"/>
           </a:p>
@@ -7699,7 +7699,7 @@
           <a:p>
             <a:fld id="{6A5C3B43-3A63-CA4E-9C00-1AA686BB8827}" type="datetimeFigureOut">
               <a:rPr lang="en-US" smtClean="0"/>
-              <a:t>3/22/24</a:t>
+              <a:t>3/27/24</a:t>
             </a:fld>
             <a:endParaRPr lang="en-US"/>
           </a:p>
@@ -7987,7 +7987,7 @@
           <a:p>
             <a:fld id="{6A5C3B43-3A63-CA4E-9C00-1AA686BB8827}" type="datetimeFigureOut">
               <a:rPr lang="en-US" smtClean="0"/>
-              <a:t>3/22/24</a:t>
+              <a:t>3/27/24</a:t>
             </a:fld>
             <a:endParaRPr lang="en-US"/>
           </a:p>
@@ -8231,7 +8231,7 @@
           <a:p>
             <a:fld id="{6A5C3B43-3A63-CA4E-9C00-1AA686BB8827}" type="datetimeFigureOut">
               <a:rPr lang="en-US" smtClean="0"/>
-              <a:t>3/22/24</a:t>
+              <a:t>3/27/24</a:t>
             </a:fld>
             <a:endParaRPr lang="en-US"/>
           </a:p>
@@ -11115,10 +11115,10 @@
       </p:grpSpPr>
       <p:pic>
         <p:nvPicPr>
-          <p:cNvPr id="3" name="Picture 2" descr="A map of the state of massachusetts&#10;&#10;Description automatically generated">
+          <p:cNvPr id="6" name="Picture 5" descr="A map of the state of massachusetts&#10;&#10;Description automatically generated">
             <a:extLst>
               <a:ext uri="{FF2B5EF4-FFF2-40B4-BE49-F238E27FC236}">
-                <a16:creationId xmlns:a16="http://schemas.microsoft.com/office/drawing/2014/main" id="{E32ECB13-18DD-804B-92A9-A921D3A8735F}"/>
+                <a16:creationId xmlns:a16="http://schemas.microsoft.com/office/drawing/2014/main" id="{1CC8CAC2-2E35-DF2D-1E0B-8DD65DBC6263}"/>
               </a:ext>
             </a:extLst>
           </p:cNvPr>
@@ -11129,13 +11129,13 @@
         </p:nvPicPr>
         <p:blipFill rotWithShape="1">
           <a:blip r:embed="rId2"/>
-          <a:srcRect t="16470" b="16392"/>
+          <a:srcRect l="2174" t="20965" r="2206" b="20566"/>
           <a:stretch/>
         </p:blipFill>
         <p:spPr>
           <a:xfrm>
-            <a:off x="913589" y="464763"/>
-            <a:ext cx="9564359" cy="5971762"/>
+            <a:off x="1223492" y="586084"/>
+            <a:ext cx="9298547" cy="5685832"/>
           </a:xfrm>
           <a:prstGeom prst="rect">
             <a:avLst/>
@@ -11145,7 +11145,7 @@
     </p:spTree>
     <p:extLst>
       <p:ext uri="{BB962C8B-B14F-4D97-AF65-F5344CB8AC3E}">
-        <p14:creationId xmlns:p14="http://schemas.microsoft.com/office/powerpoint/2010/main" val="2973480249"/>
+        <p14:creationId xmlns:p14="http://schemas.microsoft.com/office/powerpoint/2010/main" val="817236913"/>
       </p:ext>
     </p:extLst>
   </p:cSld>
@@ -11174,10 +11174,10 @@
       </p:grpSpPr>
       <p:pic>
         <p:nvPicPr>
-          <p:cNvPr id="3" name="Picture 2" descr="A map of the state of massachusetts&#10;&#10;Description automatically generated">
+          <p:cNvPr id="8" name="Picture 7" descr="A map of the state of massachusetts&#10;&#10;Description automatically generated">
             <a:extLst>
               <a:ext uri="{FF2B5EF4-FFF2-40B4-BE49-F238E27FC236}">
-                <a16:creationId xmlns:a16="http://schemas.microsoft.com/office/drawing/2014/main" id="{95E80B76-8952-7834-95F1-7AE93339493E}"/>
+                <a16:creationId xmlns:a16="http://schemas.microsoft.com/office/drawing/2014/main" id="{C601990A-3DA8-51CC-8A0F-A11015675112}"/>
               </a:ext>
             </a:extLst>
           </p:cNvPr>
@@ -11188,13 +11188,13 @@
         </p:nvPicPr>
         <p:blipFill rotWithShape="1">
           <a:blip r:embed="rId2"/>
-          <a:srcRect t="16628" b="16549"/>
+          <a:srcRect l="2106" t="20484" r="3107" b="21137"/>
           <a:stretch/>
         </p:blipFill>
         <p:spPr>
           <a:xfrm>
-            <a:off x="1559047" y="464655"/>
-            <a:ext cx="9736482" cy="6050822"/>
+            <a:off x="1442432" y="859052"/>
+            <a:ext cx="8525816" cy="5250992"/>
           </a:xfrm>
           <a:prstGeom prst="rect">
             <a:avLst/>
@@ -11204,7 +11204,7 @@
     </p:spTree>
     <p:extLst>
       <p:ext uri="{BB962C8B-B14F-4D97-AF65-F5344CB8AC3E}">
-        <p14:creationId xmlns:p14="http://schemas.microsoft.com/office/powerpoint/2010/main" val="817236913"/>
+        <p14:creationId xmlns:p14="http://schemas.microsoft.com/office/powerpoint/2010/main" val="2973480249"/>
       </p:ext>
     </p:extLst>
   </p:cSld>
@@ -11233,10 +11233,10 @@
       </p:grpSpPr>
       <p:pic>
         <p:nvPicPr>
-          <p:cNvPr id="3" name="Picture 2" descr="A map of the state of massachusetts&#10;&#10;Description automatically generated">
+          <p:cNvPr id="6" name="Picture 5" descr="A map of the state of massachusetts&#10;&#10;Description automatically generated">
             <a:extLst>
               <a:ext uri="{FF2B5EF4-FFF2-40B4-BE49-F238E27FC236}">
-                <a16:creationId xmlns:a16="http://schemas.microsoft.com/office/drawing/2014/main" id="{73495030-F05B-613A-BABB-0B36F28897E6}"/>
+                <a16:creationId xmlns:a16="http://schemas.microsoft.com/office/drawing/2014/main" id="{6375D4FE-C5BF-741D-CC5A-02CABFD8F30E}"/>
               </a:ext>
             </a:extLst>
           </p:cNvPr>
@@ -11247,13 +11247,13 @@
         </p:nvPicPr>
         <p:blipFill rotWithShape="1">
           <a:blip r:embed="rId2"/>
-          <a:srcRect t="16470" b="16235"/>
+          <a:srcRect l="2534" t="20485" r="2249" b="20378"/>
           <a:stretch/>
         </p:blipFill>
         <p:spPr>
           <a:xfrm>
-            <a:off x="1140310" y="401459"/>
-            <a:ext cx="9864763" cy="6173718"/>
+            <a:off x="1781577" y="749414"/>
+            <a:ext cx="8628846" cy="5359171"/>
           </a:xfrm>
           <a:prstGeom prst="rect">
             <a:avLst/>
